--- a/CalendarioAgo24/presentaciones/11_FuncionesLambda.pptx
+++ b/CalendarioAgo24/presentaciones/11_FuncionesLambda.pptx
@@ -216,7 +216,7 @@
           <a:p>
             <a:fld id="{DDE721D5-655F-45D2-B717-3C4CD78C8568}" type="datetimeFigureOut">
               <a:rPr lang="es-MX" smtClean="0"/>
-              <a:t>22/08/2023</a:t>
+              <a:t>20/08/2024</a:t>
             </a:fld>
             <a:endParaRPr lang="es-MX" dirty="0"/>
           </a:p>
@@ -375,7 +375,7 @@
           <a:p>
             <a:fld id="{6BAB4312-99A1-4CE9-ACE7-4C62E9FD90EE}" type="slidenum">
               <a:rPr lang="es-MX" smtClean="0"/>
-              <a:t>‹Nº›</a:t>
+              <a:t>‹#›</a:t>
             </a:fld>
             <a:endParaRPr lang="es-MX" dirty="0"/>
           </a:p>
@@ -1253,7 +1253,7 @@
           <a:p>
             <a:fld id="{B3F3E716-CACC-4490-AD07-F24B6A68DE47}" type="datetimeFigureOut">
               <a:rPr lang="es-MX" smtClean="0"/>
-              <a:t>22/08/2023</a:t>
+              <a:t>20/08/2024</a:t>
             </a:fld>
             <a:endParaRPr lang="es-MX" dirty="0"/>
           </a:p>
@@ -1295,7 +1295,7 @@
           <a:p>
             <a:fld id="{52A58D3C-5A37-463D-B2C9-8DF65AE0B01C}" type="slidenum">
               <a:rPr lang="es-MX" smtClean="0"/>
-              <a:t>‹Nº›</a:t>
+              <a:t>‹#›</a:t>
             </a:fld>
             <a:endParaRPr lang="es-MX" dirty="0"/>
           </a:p>
@@ -1423,7 +1423,7 @@
           <a:p>
             <a:fld id="{B3F3E716-CACC-4490-AD07-F24B6A68DE47}" type="datetimeFigureOut">
               <a:rPr lang="es-MX" smtClean="0"/>
-              <a:t>22/08/2023</a:t>
+              <a:t>20/08/2024</a:t>
             </a:fld>
             <a:endParaRPr lang="es-MX" dirty="0"/>
           </a:p>
@@ -1465,7 +1465,7 @@
           <a:p>
             <a:fld id="{52A58D3C-5A37-463D-B2C9-8DF65AE0B01C}" type="slidenum">
               <a:rPr lang="es-MX" smtClean="0"/>
-              <a:t>‹Nº›</a:t>
+              <a:t>‹#›</a:t>
             </a:fld>
             <a:endParaRPr lang="es-MX" dirty="0"/>
           </a:p>
@@ -1603,7 +1603,7 @@
           <a:p>
             <a:fld id="{B3F3E716-CACC-4490-AD07-F24B6A68DE47}" type="datetimeFigureOut">
               <a:rPr lang="es-MX" smtClean="0"/>
-              <a:t>22/08/2023</a:t>
+              <a:t>20/08/2024</a:t>
             </a:fld>
             <a:endParaRPr lang="es-MX" dirty="0"/>
           </a:p>
@@ -1645,7 +1645,7 @@
           <a:p>
             <a:fld id="{52A58D3C-5A37-463D-B2C9-8DF65AE0B01C}" type="slidenum">
               <a:rPr lang="es-MX" smtClean="0"/>
-              <a:t>‹Nº›</a:t>
+              <a:t>‹#›</a:t>
             </a:fld>
             <a:endParaRPr lang="es-MX" dirty="0"/>
           </a:p>
@@ -1756,7 +1756,7 @@
           <a:p>
             <a:fld id="{1D8BD707-D9CF-40AE-B4C6-C98DA3205C09}" type="datetimeFigureOut">
               <a:rPr lang="en-US" smtClean="0"/>
-              <a:t>8/22/2023</a:t>
+              <a:t>8/20/2024</a:t>
             </a:fld>
             <a:endParaRPr lang="en-US" dirty="0"/>
           </a:p>
@@ -1786,7 +1786,7 @@
                 <a:cs typeface="Calibri"/>
               </a:rPr>
               <a:pPr marL="25400"/>
-              <a:t>‹Nº›</a:t>
+              <a:t>‹#›</a:t>
             </a:fld>
             <a:endParaRPr lang="es-MX" dirty="0">
               <a:cs typeface="Calibri"/>
@@ -1916,7 +1916,7 @@
           <a:p>
             <a:fld id="{B3F3E716-CACC-4490-AD07-F24B6A68DE47}" type="datetimeFigureOut">
               <a:rPr lang="es-MX" smtClean="0"/>
-              <a:t>22/08/2023</a:t>
+              <a:t>20/08/2024</a:t>
             </a:fld>
             <a:endParaRPr lang="es-MX" dirty="0"/>
           </a:p>
@@ -1958,7 +1958,7 @@
           <a:p>
             <a:fld id="{52A58D3C-5A37-463D-B2C9-8DF65AE0B01C}" type="slidenum">
               <a:rPr lang="es-MX" smtClean="0"/>
-              <a:t>‹Nº›</a:t>
+              <a:t>‹#›</a:t>
             </a:fld>
             <a:endParaRPr lang="es-MX" dirty="0"/>
           </a:p>
@@ -2162,7 +2162,7 @@
           <a:p>
             <a:fld id="{B3F3E716-CACC-4490-AD07-F24B6A68DE47}" type="datetimeFigureOut">
               <a:rPr lang="es-MX" smtClean="0"/>
-              <a:t>22/08/2023</a:t>
+              <a:t>20/08/2024</a:t>
             </a:fld>
             <a:endParaRPr lang="es-MX" dirty="0"/>
           </a:p>
@@ -2204,7 +2204,7 @@
           <a:p>
             <a:fld id="{52A58D3C-5A37-463D-B2C9-8DF65AE0B01C}" type="slidenum">
               <a:rPr lang="es-MX" smtClean="0"/>
-              <a:t>‹Nº›</a:t>
+              <a:t>‹#›</a:t>
             </a:fld>
             <a:endParaRPr lang="es-MX" dirty="0"/>
           </a:p>
@@ -2450,7 +2450,7 @@
           <a:p>
             <a:fld id="{B3F3E716-CACC-4490-AD07-F24B6A68DE47}" type="datetimeFigureOut">
               <a:rPr lang="es-MX" smtClean="0"/>
-              <a:t>22/08/2023</a:t>
+              <a:t>20/08/2024</a:t>
             </a:fld>
             <a:endParaRPr lang="es-MX" dirty="0"/>
           </a:p>
@@ -2492,7 +2492,7 @@
           <a:p>
             <a:fld id="{52A58D3C-5A37-463D-B2C9-8DF65AE0B01C}" type="slidenum">
               <a:rPr lang="es-MX" smtClean="0"/>
-              <a:t>‹Nº›</a:t>
+              <a:t>‹#›</a:t>
             </a:fld>
             <a:endParaRPr lang="es-MX" dirty="0"/>
           </a:p>
@@ -2872,7 +2872,7 @@
           <a:p>
             <a:fld id="{B3F3E716-CACC-4490-AD07-F24B6A68DE47}" type="datetimeFigureOut">
               <a:rPr lang="es-MX" smtClean="0"/>
-              <a:t>22/08/2023</a:t>
+              <a:t>20/08/2024</a:t>
             </a:fld>
             <a:endParaRPr lang="es-MX" dirty="0"/>
           </a:p>
@@ -2914,7 +2914,7 @@
           <a:p>
             <a:fld id="{52A58D3C-5A37-463D-B2C9-8DF65AE0B01C}" type="slidenum">
               <a:rPr lang="es-MX" smtClean="0"/>
-              <a:t>‹Nº›</a:t>
+              <a:t>‹#›</a:t>
             </a:fld>
             <a:endParaRPr lang="es-MX" dirty="0"/>
           </a:p>
@@ -2990,7 +2990,7 @@
           <a:p>
             <a:fld id="{B3F3E716-CACC-4490-AD07-F24B6A68DE47}" type="datetimeFigureOut">
               <a:rPr lang="es-MX" smtClean="0"/>
-              <a:t>22/08/2023</a:t>
+              <a:t>20/08/2024</a:t>
             </a:fld>
             <a:endParaRPr lang="es-MX" dirty="0"/>
           </a:p>
@@ -3032,7 +3032,7 @@
           <a:p>
             <a:fld id="{52A58D3C-5A37-463D-B2C9-8DF65AE0B01C}" type="slidenum">
               <a:rPr lang="es-MX" smtClean="0"/>
-              <a:t>‹Nº›</a:t>
+              <a:t>‹#›</a:t>
             </a:fld>
             <a:endParaRPr lang="es-MX" dirty="0"/>
           </a:p>
@@ -3085,7 +3085,7 @@
           <a:p>
             <a:fld id="{B3F3E716-CACC-4490-AD07-F24B6A68DE47}" type="datetimeFigureOut">
               <a:rPr lang="es-MX" smtClean="0"/>
-              <a:t>22/08/2023</a:t>
+              <a:t>20/08/2024</a:t>
             </a:fld>
             <a:endParaRPr lang="es-MX" dirty="0"/>
           </a:p>
@@ -3127,7 +3127,7 @@
           <a:p>
             <a:fld id="{52A58D3C-5A37-463D-B2C9-8DF65AE0B01C}" type="slidenum">
               <a:rPr lang="es-MX" smtClean="0"/>
-              <a:t>‹Nº›</a:t>
+              <a:t>‹#›</a:t>
             </a:fld>
             <a:endParaRPr lang="es-MX" dirty="0"/>
           </a:p>
@@ -3362,7 +3362,7 @@
           <a:p>
             <a:fld id="{B3F3E716-CACC-4490-AD07-F24B6A68DE47}" type="datetimeFigureOut">
               <a:rPr lang="es-MX" smtClean="0"/>
-              <a:t>22/08/2023</a:t>
+              <a:t>20/08/2024</a:t>
             </a:fld>
             <a:endParaRPr lang="es-MX" dirty="0"/>
           </a:p>
@@ -3404,7 +3404,7 @@
           <a:p>
             <a:fld id="{52A58D3C-5A37-463D-B2C9-8DF65AE0B01C}" type="slidenum">
               <a:rPr lang="es-MX" smtClean="0"/>
-              <a:t>‹Nº›</a:t>
+              <a:t>‹#›</a:t>
             </a:fld>
             <a:endParaRPr lang="es-MX" dirty="0"/>
           </a:p>
@@ -3615,7 +3615,7 @@
           <a:p>
             <a:fld id="{B3F3E716-CACC-4490-AD07-F24B6A68DE47}" type="datetimeFigureOut">
               <a:rPr lang="es-MX" smtClean="0"/>
-              <a:t>22/08/2023</a:t>
+              <a:t>20/08/2024</a:t>
             </a:fld>
             <a:endParaRPr lang="es-MX" dirty="0"/>
           </a:p>
@@ -3657,7 +3657,7 @@
           <a:p>
             <a:fld id="{52A58D3C-5A37-463D-B2C9-8DF65AE0B01C}" type="slidenum">
               <a:rPr lang="es-MX" smtClean="0"/>
-              <a:t>‹Nº›</a:t>
+              <a:t>‹#›</a:t>
             </a:fld>
             <a:endParaRPr lang="es-MX" dirty="0"/>
           </a:p>
@@ -3828,7 +3828,7 @@
           <a:p>
             <a:fld id="{B3F3E716-CACC-4490-AD07-F24B6A68DE47}" type="datetimeFigureOut">
               <a:rPr lang="es-MX" smtClean="0"/>
-              <a:t>22/08/2023</a:t>
+              <a:t>20/08/2024</a:t>
             </a:fld>
             <a:endParaRPr lang="es-MX" dirty="0"/>
           </a:p>
@@ -3906,7 +3906,7 @@
           <a:p>
             <a:fld id="{52A58D3C-5A37-463D-B2C9-8DF65AE0B01C}" type="slidenum">
               <a:rPr lang="es-MX" smtClean="0"/>
-              <a:t>‹Nº›</a:t>
+              <a:t>‹#›</a:t>
             </a:fld>
             <a:endParaRPr lang="es-MX" dirty="0"/>
           </a:p>
@@ -4472,7 +4472,7 @@
                 <a:effectLst/>
                 <a:latin typeface="-apple-system"/>
               </a:rPr>
-              <a:t>Las funciones lambda  son funciones pequeñas y anónimas, sujetas a una sintaxis más restrictiva pero más concisa que las funciones normales de Python. </a:t>
+              <a:t>Las funciones lambda son funciones pequeñas y anónimas, sujetas a una sintaxis más restrictiva pero más concisa que las funciones normales de Python. </a:t>
             </a:r>
             <a:endParaRPr lang="es-ES" b="1" dirty="0">
               <a:solidFill>
@@ -6801,7 +6801,7 @@
                   </a:outerShdw>
                 </a:effectLst>
               </a:rPr>
-              <a:t> – 32)</a:t>
+              <a:t> - 32)</a:t>
             </a:r>
             <a:endParaRPr lang="es-ES" sz="1800" b="1" dirty="0">
               <a:solidFill>
